--- a/Simulation/TP4/Fiche/fig.pptx
+++ b/Simulation/TP4/Fiche/fig.pptx
@@ -8,7 +8,8 @@
     <p:sldId id="256" r:id="rId2"/>
     <p:sldId id="257" r:id="rId3"/>
     <p:sldId id="258" r:id="rId4"/>
-    <p:sldId id="259" r:id="rId5"/>
+    <p:sldId id="260" r:id="rId5"/>
+    <p:sldId id="259" r:id="rId6"/>
   </p:sldIdLst>
   <p:sldSz cx="12192000" cy="6858000"/>
   <p:notesSz cx="6858000" cy="9144000"/>
@@ -14604,7 +14605,7 @@
           <p:nvPr>
             <p:extLst>
               <p:ext uri="{D42A27DB-BD31-4B8C-83A1-F6EECF244321}">
-                <p14:modId xmlns:p14="http://schemas.microsoft.com/office/powerpoint/2010/main" val="4033684598"/>
+                <p14:modId xmlns:p14="http://schemas.microsoft.com/office/powerpoint/2010/main" val="3750915706"/>
               </p:ext>
             </p:extLst>
           </p:nvPr>
@@ -14904,7 +14905,7 @@
                           <a:latin typeface="Times New Roman" panose="02020603050405020304" pitchFamily="18" charset="0"/>
                           <a:cs typeface="Times New Roman" panose="02020603050405020304" pitchFamily="18" charset="0"/>
                         </a:rPr>
-                        <a:t>5</a:t>
+                        <a:t>15</a:t>
                       </a:r>
                     </a:p>
                   </a:txBody>
@@ -14964,7 +14965,7 @@
                           <a:latin typeface="Times New Roman" panose="02020603050405020304" pitchFamily="18" charset="0"/>
                           <a:cs typeface="Times New Roman" panose="02020603050405020304" pitchFamily="18" charset="0"/>
                         </a:rPr>
-                        <a:t>3</a:t>
+                        <a:t>16</a:t>
                       </a:r>
                     </a:p>
                   </a:txBody>
@@ -15091,7 +15092,7 @@
                           <a:latin typeface="Times New Roman" panose="02020603050405020304" pitchFamily="18" charset="0"/>
                           <a:cs typeface="Times New Roman" panose="02020603050405020304" pitchFamily="18" charset="0"/>
                         </a:rPr>
-                        <a:t>12</a:t>
+                        <a:t>57</a:t>
                       </a:r>
                     </a:p>
                   </a:txBody>
@@ -15151,7 +15152,7 @@
                           <a:latin typeface="Times New Roman" panose="02020603050405020304" pitchFamily="18" charset="0"/>
                           <a:cs typeface="Times New Roman" panose="02020603050405020304" pitchFamily="18" charset="0"/>
                         </a:rPr>
-                        <a:t>29</a:t>
+                        <a:t>59</a:t>
                       </a:r>
                     </a:p>
                   </a:txBody>
@@ -15278,67 +15279,67 @@
                           <a:latin typeface="Times New Roman" panose="02020603050405020304" pitchFamily="18" charset="0"/>
                           <a:cs typeface="Times New Roman" panose="02020603050405020304" pitchFamily="18" charset="0"/>
                         </a:rPr>
+                        <a:t>50</a:t>
+                      </a:r>
+                    </a:p>
+                  </a:txBody>
+                  <a:tcPr anchor="ctr">
+                    <a:lnL w="12700" cap="flat" cmpd="sng" algn="ctr">
+                      <a:solidFill>
+                        <a:schemeClr val="tx1"/>
+                      </a:solidFill>
+                      <a:prstDash val="solid"/>
+                      <a:round/>
+                      <a:headEnd type="none" w="med" len="med"/>
+                      <a:tailEnd type="none" w="med" len="med"/>
+                    </a:lnL>
+                    <a:lnR w="12700" cap="flat" cmpd="sng" algn="ctr">
+                      <a:solidFill>
+                        <a:schemeClr val="tx1"/>
+                      </a:solidFill>
+                      <a:prstDash val="solid"/>
+                      <a:round/>
+                      <a:headEnd type="none" w="med" len="med"/>
+                      <a:tailEnd type="none" w="med" len="med"/>
+                    </a:lnR>
+                    <a:lnT w="12700" cap="flat" cmpd="sng" algn="ctr">
+                      <a:solidFill>
+                        <a:schemeClr val="tx1"/>
+                      </a:solidFill>
+                      <a:prstDash val="solid"/>
+                      <a:round/>
+                      <a:headEnd type="none" w="med" len="med"/>
+                      <a:tailEnd type="none" w="med" len="med"/>
+                    </a:lnT>
+                    <a:lnB w="12700" cap="flat" cmpd="sng" algn="ctr">
+                      <a:solidFill>
+                        <a:schemeClr val="tx1"/>
+                      </a:solidFill>
+                      <a:prstDash val="solid"/>
+                      <a:round/>
+                      <a:headEnd type="none" w="med" len="med"/>
+                      <a:tailEnd type="none" w="med" len="med"/>
+                    </a:lnB>
+                    <a:solidFill>
+                      <a:schemeClr val="bg1"/>
+                    </a:solidFill>
+                  </a:tcPr>
+                </a:tc>
+                <a:tc>
+                  <a:txBody>
+                    <a:bodyPr/>
+                    <a:lstStyle/>
+                    <a:p>
+                      <a:pPr algn="ctr"/>
+                      <a:r>
+                        <a:rPr lang="fr-FR" sz="1000" dirty="0">
+                          <a:solidFill>
+                            <a:schemeClr val="tx1"/>
+                          </a:solidFill>
+                          <a:latin typeface="Times New Roman" panose="02020603050405020304" pitchFamily="18" charset="0"/>
+                          <a:cs typeface="Times New Roman" panose="02020603050405020304" pitchFamily="18" charset="0"/>
+                        </a:rPr>
                         <a:t>29</a:t>
-                      </a:r>
-                    </a:p>
-                  </a:txBody>
-                  <a:tcPr anchor="ctr">
-                    <a:lnL w="12700" cap="flat" cmpd="sng" algn="ctr">
-                      <a:solidFill>
-                        <a:schemeClr val="tx1"/>
-                      </a:solidFill>
-                      <a:prstDash val="solid"/>
-                      <a:round/>
-                      <a:headEnd type="none" w="med" len="med"/>
-                      <a:tailEnd type="none" w="med" len="med"/>
-                    </a:lnL>
-                    <a:lnR w="12700" cap="flat" cmpd="sng" algn="ctr">
-                      <a:solidFill>
-                        <a:schemeClr val="tx1"/>
-                      </a:solidFill>
-                      <a:prstDash val="solid"/>
-                      <a:round/>
-                      <a:headEnd type="none" w="med" len="med"/>
-                      <a:tailEnd type="none" w="med" len="med"/>
-                    </a:lnR>
-                    <a:lnT w="12700" cap="flat" cmpd="sng" algn="ctr">
-                      <a:solidFill>
-                        <a:schemeClr val="tx1"/>
-                      </a:solidFill>
-                      <a:prstDash val="solid"/>
-                      <a:round/>
-                      <a:headEnd type="none" w="med" len="med"/>
-                      <a:tailEnd type="none" w="med" len="med"/>
-                    </a:lnT>
-                    <a:lnB w="12700" cap="flat" cmpd="sng" algn="ctr">
-                      <a:solidFill>
-                        <a:schemeClr val="tx1"/>
-                      </a:solidFill>
-                      <a:prstDash val="solid"/>
-                      <a:round/>
-                      <a:headEnd type="none" w="med" len="med"/>
-                      <a:tailEnd type="none" w="med" len="med"/>
-                    </a:lnB>
-                    <a:solidFill>
-                      <a:schemeClr val="bg1"/>
-                    </a:solidFill>
-                  </a:tcPr>
-                </a:tc>
-                <a:tc>
-                  <a:txBody>
-                    <a:bodyPr/>
-                    <a:lstStyle/>
-                    <a:p>
-                      <a:pPr algn="ctr"/>
-                      <a:r>
-                        <a:rPr lang="fr-FR" sz="1000" dirty="0">
-                          <a:solidFill>
-                            <a:schemeClr val="tx1"/>
-                          </a:solidFill>
-                          <a:latin typeface="Times New Roman" panose="02020603050405020304" pitchFamily="18" charset="0"/>
-                          <a:cs typeface="Times New Roman" panose="02020603050405020304" pitchFamily="18" charset="0"/>
-                        </a:rPr>
-                        <a:t>15</a:t>
                       </a:r>
                     </a:p>
                   </a:txBody>
@@ -15465,7 +15466,7 @@
                           <a:latin typeface="Times New Roman" panose="02020603050405020304" pitchFamily="18" charset="0"/>
                           <a:cs typeface="Times New Roman" panose="02020603050405020304" pitchFamily="18" charset="0"/>
                         </a:rPr>
-                        <a:t>68</a:t>
+                        <a:t>29</a:t>
                       </a:r>
                     </a:p>
                   </a:txBody>
@@ -15525,7 +15526,7 @@
                           <a:latin typeface="Times New Roman" panose="02020603050405020304" pitchFamily="18" charset="0"/>
                           <a:cs typeface="Times New Roman" panose="02020603050405020304" pitchFamily="18" charset="0"/>
                         </a:rPr>
-                        <a:t>35</a:t>
+                        <a:t>21</a:t>
                       </a:r>
                     </a:p>
                   </a:txBody>
@@ -15652,7 +15653,7 @@
                           <a:latin typeface="Times New Roman" panose="02020603050405020304" pitchFamily="18" charset="0"/>
                           <a:cs typeface="Times New Roman" panose="02020603050405020304" pitchFamily="18" charset="0"/>
                         </a:rPr>
-                        <a:t>157</a:t>
+                        <a:t>265</a:t>
                       </a:r>
                     </a:p>
                   </a:txBody>
@@ -15712,7 +15713,7 @@
                           <a:latin typeface="Times New Roman" panose="02020603050405020304" pitchFamily="18" charset="0"/>
                           <a:cs typeface="Times New Roman" panose="02020603050405020304" pitchFamily="18" charset="0"/>
                         </a:rPr>
-                        <a:t>84</a:t>
+                        <a:t>127</a:t>
                       </a:r>
                     </a:p>
                   </a:txBody>
@@ -15839,7 +15840,7 @@
                           <a:latin typeface="Times New Roman" panose="02020603050405020304" pitchFamily="18" charset="0"/>
                           <a:cs typeface="Times New Roman" panose="02020603050405020304" pitchFamily="18" charset="0"/>
                         </a:rPr>
-                        <a:t>370</a:t>
+                        <a:t>274</a:t>
                       </a:r>
                     </a:p>
                   </a:txBody>
@@ -15899,7 +15900,7 @@
                           <a:latin typeface="Times New Roman" panose="02020603050405020304" pitchFamily="18" charset="0"/>
                           <a:cs typeface="Times New Roman" panose="02020603050405020304" pitchFamily="18" charset="0"/>
                         </a:rPr>
-                        <a:t>201</a:t>
+                        <a:t>162</a:t>
                       </a:r>
                     </a:p>
                   </a:txBody>
@@ -16026,7 +16027,7 @@
                           <a:latin typeface="Times New Roman" panose="02020603050405020304" pitchFamily="18" charset="0"/>
                           <a:cs typeface="Times New Roman" panose="02020603050405020304" pitchFamily="18" charset="0"/>
                         </a:rPr>
-                        <a:t>883</a:t>
+                        <a:t>1239</a:t>
                       </a:r>
                     </a:p>
                   </a:txBody>
@@ -16086,7 +16087,7 @@
                           <a:latin typeface="Times New Roman" panose="02020603050405020304" pitchFamily="18" charset="0"/>
                           <a:cs typeface="Times New Roman" panose="02020603050405020304" pitchFamily="18" charset="0"/>
                         </a:rPr>
-                        <a:t>486</a:t>
+                        <a:t>665</a:t>
                       </a:r>
                     </a:p>
                   </a:txBody>
@@ -16213,7 +16214,7 @@
                           <a:latin typeface="Times New Roman" panose="02020603050405020304" pitchFamily="18" charset="0"/>
                           <a:cs typeface="Times New Roman" panose="02020603050405020304" pitchFamily="18" charset="0"/>
                         </a:rPr>
-                        <a:t>2091</a:t>
+                        <a:t>2047</a:t>
                       </a:r>
                     </a:p>
                   </a:txBody>
@@ -16273,7 +16274,7 @@
                           <a:latin typeface="Times New Roman" panose="02020603050405020304" pitchFamily="18" charset="0"/>
                           <a:cs typeface="Times New Roman" panose="02020603050405020304" pitchFamily="18" charset="0"/>
                         </a:rPr>
-                        <a:t>1142</a:t>
+                        <a:t>1150</a:t>
                       </a:r>
                     </a:p>
                   </a:txBody>
@@ -16400,7 +16401,7 @@
                           <a:latin typeface="Times New Roman" panose="02020603050405020304" pitchFamily="18" charset="0"/>
                           <a:cs typeface="Times New Roman" panose="02020603050405020304" pitchFamily="18" charset="0"/>
                         </a:rPr>
-                        <a:t>5012</a:t>
+                        <a:t>6467</a:t>
                       </a:r>
                     </a:p>
                   </a:txBody>
@@ -16460,7 +16461,7 @@
                           <a:latin typeface="Times New Roman" panose="02020603050405020304" pitchFamily="18" charset="0"/>
                           <a:cs typeface="Times New Roman" panose="02020603050405020304" pitchFamily="18" charset="0"/>
                         </a:rPr>
-                        <a:t>2727</a:t>
+                        <a:t>3490</a:t>
                       </a:r>
                     </a:p>
                   </a:txBody>
@@ -16587,7 +16588,7 @@
                           <a:latin typeface="Times New Roman" panose="02020603050405020304" pitchFamily="18" charset="0"/>
                           <a:cs typeface="Times New Roman" panose="02020603050405020304" pitchFamily="18" charset="0"/>
                         </a:rPr>
-                        <a:t>11804</a:t>
+                        <a:t>12386</a:t>
                       </a:r>
                     </a:p>
                   </a:txBody>
@@ -16647,7 +16648,7 @@
                           <a:latin typeface="Times New Roman" panose="02020603050405020304" pitchFamily="18" charset="0"/>
                           <a:cs typeface="Times New Roman" panose="02020603050405020304" pitchFamily="18" charset="0"/>
                         </a:rPr>
-                        <a:t>6435</a:t>
+                        <a:t>6849</a:t>
                       </a:r>
                     </a:p>
                   </a:txBody>
@@ -16774,7 +16775,7 @@
                           <a:latin typeface="Times New Roman" panose="02020603050405020304" pitchFamily="18" charset="0"/>
                           <a:cs typeface="Times New Roman" panose="02020603050405020304" pitchFamily="18" charset="0"/>
                         </a:rPr>
-                        <a:t>28100</a:t>
+                        <a:t>34362</a:t>
                       </a:r>
                     </a:p>
                   </a:txBody>
@@ -16834,7 +16835,7 @@
                           <a:latin typeface="Times New Roman" panose="02020603050405020304" pitchFamily="18" charset="0"/>
                           <a:cs typeface="Times New Roman" panose="02020603050405020304" pitchFamily="18" charset="0"/>
                         </a:rPr>
-                        <a:t>15300</a:t>
+                        <a:t>18575</a:t>
                       </a:r>
                     </a:p>
                   </a:txBody>
@@ -16961,7 +16962,7 @@
                           <a:latin typeface="Times New Roman" panose="02020603050405020304" pitchFamily="18" charset="0"/>
                           <a:cs typeface="Times New Roman" panose="02020603050405020304" pitchFamily="18" charset="0"/>
                         </a:rPr>
-                        <a:t>66300</a:t>
+                        <a:t>73403</a:t>
                       </a:r>
                     </a:p>
                   </a:txBody>
@@ -17021,7 +17022,7 @@
                           <a:latin typeface="Times New Roman" panose="02020603050405020304" pitchFamily="18" charset="0"/>
                           <a:cs typeface="Times New Roman" panose="02020603050405020304" pitchFamily="18" charset="0"/>
                         </a:rPr>
-                        <a:t>36134</a:t>
+                        <a:t>39833</a:t>
                       </a:r>
                     </a:p>
                   </a:txBody>
@@ -17148,7 +17149,7 @@
                           <a:latin typeface="Times New Roman" panose="02020603050405020304" pitchFamily="18" charset="0"/>
                           <a:cs typeface="Times New Roman" panose="02020603050405020304" pitchFamily="18" charset="0"/>
                         </a:rPr>
-                        <a:t>157804</a:t>
+                        <a:t>186002</a:t>
                       </a:r>
                     </a:p>
                   </a:txBody>
@@ -17208,7 +17209,7 @@
                           <a:latin typeface="Times New Roman" panose="02020603050405020304" pitchFamily="18" charset="0"/>
                           <a:cs typeface="Times New Roman" panose="02020603050405020304" pitchFamily="18" charset="0"/>
                         </a:rPr>
-                        <a:t>85942</a:t>
+                        <a:t>100859</a:t>
                       </a:r>
                     </a:p>
                   </a:txBody>
@@ -17335,7 +17336,7 @@
                           <a:latin typeface="Times New Roman" panose="02020603050405020304" pitchFamily="18" charset="0"/>
                           <a:cs typeface="Times New Roman" panose="02020603050405020304" pitchFamily="18" charset="0"/>
                         </a:rPr>
-                        <a:t>372933</a:t>
+                        <a:t>418094</a:t>
                       </a:r>
                     </a:p>
                   </a:txBody>
@@ -17395,7 +17396,7 @@
                           <a:latin typeface="Times New Roman" panose="02020603050405020304" pitchFamily="18" charset="0"/>
                           <a:cs typeface="Times New Roman" panose="02020603050405020304" pitchFamily="18" charset="0"/>
                         </a:rPr>
-                        <a:t>203256</a:t>
+                        <a:t>228748</a:t>
                       </a:r>
                     </a:p>
                   </a:txBody>
@@ -17522,7 +17523,7 @@
                           <a:latin typeface="Times New Roman" panose="02020603050405020304" pitchFamily="18" charset="0"/>
                           <a:cs typeface="Times New Roman" panose="02020603050405020304" pitchFamily="18" charset="0"/>
                         </a:rPr>
-                        <a:t>885801</a:t>
+                        <a:t>1036087</a:t>
                       </a:r>
                     </a:p>
                   </a:txBody>
@@ -17582,7 +17583,7 @@
                           <a:latin typeface="Times New Roman" panose="02020603050405020304" pitchFamily="18" charset="0"/>
                           <a:cs typeface="Times New Roman" panose="02020603050405020304" pitchFamily="18" charset="0"/>
                         </a:rPr>
-                        <a:t>482601</a:t>
+                        <a:t>561706</a:t>
                       </a:r>
                     </a:p>
                   </a:txBody>
@@ -17709,7 +17710,7 @@
                           <a:latin typeface="Times New Roman" panose="02020603050405020304" pitchFamily="18" charset="0"/>
                           <a:cs typeface="Times New Roman" panose="02020603050405020304" pitchFamily="18" charset="0"/>
                         </a:rPr>
-                        <a:t>2097252</a:t>
+                        <a:t>2367604</a:t>
                       </a:r>
                     </a:p>
                   </a:txBody>
@@ -17769,7 +17770,7 @@
                           <a:latin typeface="Times New Roman" panose="02020603050405020304" pitchFamily="18" charset="0"/>
                           <a:cs typeface="Times New Roman" panose="02020603050405020304" pitchFamily="18" charset="0"/>
                         </a:rPr>
-                        <a:t>1142965</a:t>
+                        <a:t>1293180</a:t>
                       </a:r>
                     </a:p>
                   </a:txBody>
@@ -17896,7 +17897,7 @@
                           <a:latin typeface="Times New Roman" panose="02020603050405020304" pitchFamily="18" charset="0"/>
                           <a:cs typeface="Times New Roman" panose="02020603050405020304" pitchFamily="18" charset="0"/>
                         </a:rPr>
-                        <a:t>4978127</a:t>
+                        <a:t>5766172</a:t>
                       </a:r>
                     </a:p>
                   </a:txBody>
@@ -17956,7 +17957,7 @@
                           <a:latin typeface="Times New Roman" panose="02020603050405020304" pitchFamily="18" charset="0"/>
                           <a:cs typeface="Times New Roman" panose="02020603050405020304" pitchFamily="18" charset="0"/>
                         </a:rPr>
-                        <a:t>2712442</a:t>
+                        <a:t>3136629</a:t>
                       </a:r>
                     </a:p>
                   </a:txBody>
@@ -18083,7 +18084,7 @@
                           <a:latin typeface="Times New Roman" panose="02020603050405020304" pitchFamily="18" charset="0"/>
                           <a:cs typeface="Times New Roman" panose="02020603050405020304" pitchFamily="18" charset="0"/>
                         </a:rPr>
-                        <a:t>11791184</a:t>
+                        <a:t>13399307</a:t>
                       </a:r>
                     </a:p>
                   </a:txBody>
@@ -18143,7 +18144,7 @@
                           <a:latin typeface="Times New Roman" panose="02020603050405020304" pitchFamily="18" charset="0"/>
                           <a:cs typeface="Times New Roman" panose="02020603050405020304" pitchFamily="18" charset="0"/>
                         </a:rPr>
-                        <a:t>6426386</a:t>
+                        <a:t>7311625</a:t>
                       </a:r>
                     </a:p>
                   </a:txBody>
@@ -18270,7 +18271,7 @@
                           <a:latin typeface="Times New Roman" panose="02020603050405020304" pitchFamily="18" charset="0"/>
                           <a:cs typeface="Times New Roman" panose="02020603050405020304" pitchFamily="18" charset="0"/>
                         </a:rPr>
-                        <a:t>-132968592012130163</a:t>
+                        <a:t>32244303</a:t>
                       </a:r>
                     </a:p>
                   </a:txBody>
@@ -18330,7 +18331,7 @@
                           <a:latin typeface="Times New Roman" panose="02020603050405020304" pitchFamily="18" charset="0"/>
                           <a:cs typeface="Times New Roman" panose="02020603050405020304" pitchFamily="18" charset="0"/>
                         </a:rPr>
-                        <a:t>15247434</a:t>
+                        <a:t>17559832</a:t>
                       </a:r>
                     </a:p>
                   </a:txBody>
@@ -18457,7 +18458,7 @@
                           <a:latin typeface="Times New Roman" panose="02020603050405020304" pitchFamily="18" charset="0"/>
                           <a:cs typeface="Times New Roman" panose="02020603050405020304" pitchFamily="18" charset="0"/>
                         </a:rPr>
-                        <a:t>70925009853343163</a:t>
+                        <a:t>75631586</a:t>
                       </a:r>
                     </a:p>
                   </a:txBody>
@@ -18517,7 +18518,7 @@
                           <a:latin typeface="Times New Roman" panose="02020603050405020304" pitchFamily="18" charset="0"/>
                           <a:cs typeface="Times New Roman" panose="02020603050405020304" pitchFamily="18" charset="0"/>
                         </a:rPr>
-                        <a:t>361565415501965</a:t>
+                        <a:t>41242010</a:t>
                       </a:r>
                     </a:p>
                   </a:txBody>
@@ -18566,6 +18567,1589 @@
                 <a:extLst>
                   <a:ext uri="{0D108BD9-81ED-4DB2-BD59-A6C34878D82A}">
                     <a16:rowId xmlns:a16="http://schemas.microsoft.com/office/drawing/2014/main" val="514972996"/>
+                  </a:ext>
+                </a:extLst>
+              </a:tr>
+            </a:tbl>
+          </a:graphicData>
+        </a:graphic>
+      </p:graphicFrame>
+    </p:spTree>
+    <p:extLst>
+      <p:ext uri="{BB962C8B-B14F-4D97-AF65-F5344CB8AC3E}">
+        <p14:creationId xmlns:p14="http://schemas.microsoft.com/office/powerpoint/2010/main" val="4263104866"/>
+      </p:ext>
+    </p:extLst>
+  </p:cSld>
+  <p:clrMapOvr>
+    <a:masterClrMapping/>
+  </p:clrMapOvr>
+</p:sld>
+</file>
+
+<file path=ppt/slides/slide5.xml><?xml version="1.0" encoding="utf-8"?>
+<p:sld xmlns:a="http://schemas.openxmlformats.org/drawingml/2006/main" xmlns:r="http://schemas.openxmlformats.org/officeDocument/2006/relationships" xmlns:p="http://schemas.openxmlformats.org/presentationml/2006/main">
+  <p:cSld>
+    <p:spTree>
+      <p:nvGrpSpPr>
+        <p:cNvPr id="1" name=""/>
+        <p:cNvGrpSpPr/>
+        <p:nvPr/>
+      </p:nvGrpSpPr>
+      <p:grpSpPr>
+        <a:xfrm>
+          <a:off x="0" y="0"/>
+          <a:ext cx="0" cy="0"/>
+          <a:chOff x="0" y="0"/>
+          <a:chExt cx="0" cy="0"/>
+        </a:xfrm>
+      </p:grpSpPr>
+      <p:graphicFrame>
+        <p:nvGraphicFramePr>
+          <p:cNvPr id="4" name="表格 4">
+            <a:extLst>
+              <a:ext uri="{FF2B5EF4-FFF2-40B4-BE49-F238E27FC236}">
+                <a16:creationId xmlns:a16="http://schemas.microsoft.com/office/drawing/2014/main" id="{0B7D422C-50D2-5EC4-0902-8C6F4249A823}"/>
+              </a:ext>
+            </a:extLst>
+          </p:cNvPr>
+          <p:cNvGraphicFramePr>
+            <a:graphicFrameLocks noGrp="1"/>
+          </p:cNvGraphicFramePr>
+          <p:nvPr>
+            <p:extLst>
+              <p:ext uri="{D42A27DB-BD31-4B8C-83A1-F6EECF244321}">
+                <p14:modId xmlns:p14="http://schemas.microsoft.com/office/powerpoint/2010/main" val="2882266015"/>
+              </p:ext>
+            </p:extLst>
+          </p:nvPr>
+        </p:nvGraphicFramePr>
+        <p:xfrm>
+          <a:off x="1687286" y="1793323"/>
+          <a:ext cx="4860000" cy="2686752"/>
+        </p:xfrm>
+        <a:graphic>
+          <a:graphicData uri="http://schemas.openxmlformats.org/drawingml/2006/table">
+            <a:tbl>
+              <a:tblPr firstRow="1" bandRow="1">
+                <a:tableStyleId>{5C22544A-7EE6-4342-B048-85BDC9FD1C3A}</a:tableStyleId>
+              </a:tblPr>
+              <a:tblGrid>
+                <a:gridCol w="1620000">
+                  <a:extLst>
+                    <a:ext uri="{9D8B030D-6E8A-4147-A177-3AD203B41FA5}">
+                      <a16:colId xmlns:a16="http://schemas.microsoft.com/office/drawing/2014/main" val="3208751823"/>
+                    </a:ext>
+                  </a:extLst>
+                </a:gridCol>
+                <a:gridCol w="1620000">
+                  <a:extLst>
+                    <a:ext uri="{9D8B030D-6E8A-4147-A177-3AD203B41FA5}">
+                      <a16:colId xmlns:a16="http://schemas.microsoft.com/office/drawing/2014/main" val="189820544"/>
+                    </a:ext>
+                  </a:extLst>
+                </a:gridCol>
+                <a:gridCol w="1620000">
+                  <a:extLst>
+                    <a:ext uri="{9D8B030D-6E8A-4147-A177-3AD203B41FA5}">
+                      <a16:colId xmlns:a16="http://schemas.microsoft.com/office/drawing/2014/main" val="4180542525"/>
+                    </a:ext>
+                  </a:extLst>
+                </a:gridCol>
+              </a:tblGrid>
+              <a:tr h="335844">
+                <a:tc>
+                  <a:txBody>
+                    <a:bodyPr/>
+                    <a:lstStyle/>
+                    <a:p>
+                      <a:pPr algn="ctr"/>
+                      <a:r>
+                        <a:rPr lang="fr-FR" sz="1000" b="1" dirty="0">
+                          <a:solidFill>
+                            <a:schemeClr val="tx1"/>
+                          </a:solidFill>
+                          <a:latin typeface="Times New Roman" panose="02020603050405020304" pitchFamily="18" charset="0"/>
+                          <a:cs typeface="Times New Roman" panose="02020603050405020304" pitchFamily="18" charset="0"/>
+                        </a:rPr>
+                        <a:t>Année</a:t>
+                      </a:r>
+                    </a:p>
+                  </a:txBody>
+                  <a:tcPr anchor="ctr">
+                    <a:lnL w="12700" cap="flat" cmpd="sng" algn="ctr">
+                      <a:solidFill>
+                        <a:schemeClr val="tx1"/>
+                      </a:solidFill>
+                      <a:prstDash val="solid"/>
+                      <a:round/>
+                      <a:headEnd type="none" w="med" len="med"/>
+                      <a:tailEnd type="none" w="med" len="med"/>
+                    </a:lnL>
+                    <a:lnR w="12700" cap="flat" cmpd="sng" algn="ctr">
+                      <a:solidFill>
+                        <a:schemeClr val="tx1"/>
+                      </a:solidFill>
+                      <a:prstDash val="solid"/>
+                      <a:round/>
+                      <a:headEnd type="none" w="med" len="med"/>
+                      <a:tailEnd type="none" w="med" len="med"/>
+                    </a:lnR>
+                    <a:lnT w="12700" cap="flat" cmpd="sng" algn="ctr">
+                      <a:solidFill>
+                        <a:schemeClr val="tx1"/>
+                      </a:solidFill>
+                      <a:prstDash val="solid"/>
+                      <a:round/>
+                      <a:headEnd type="none" w="med" len="med"/>
+                      <a:tailEnd type="none" w="med" len="med"/>
+                    </a:lnT>
+                    <a:lnB w="12700" cap="flat" cmpd="sng" algn="ctr">
+                      <a:solidFill>
+                        <a:schemeClr val="tx1"/>
+                      </a:solidFill>
+                      <a:prstDash val="solid"/>
+                      <a:round/>
+                      <a:headEnd type="none" w="med" len="med"/>
+                      <a:tailEnd type="none" w="med" len="med"/>
+                    </a:lnB>
+                    <a:solidFill>
+                      <a:schemeClr val="bg1"/>
+                    </a:solidFill>
+                  </a:tcPr>
+                </a:tc>
+                <a:tc>
+                  <a:txBody>
+                    <a:bodyPr/>
+                    <a:lstStyle/>
+                    <a:p>
+                      <a:pPr algn="ctr"/>
+                      <a:r>
+                        <a:rPr lang="fr-FR" sz="1000" b="1" dirty="0">
+                          <a:solidFill>
+                            <a:schemeClr val="tx1"/>
+                          </a:solidFill>
+                          <a:latin typeface="Times New Roman" panose="02020603050405020304" pitchFamily="18" charset="0"/>
+                          <a:cs typeface="Times New Roman" panose="02020603050405020304" pitchFamily="18" charset="0"/>
+                        </a:rPr>
+                        <a:t>Nombre de lapins mâles</a:t>
+                      </a:r>
+                    </a:p>
+                  </a:txBody>
+                  <a:tcPr anchor="ctr">
+                    <a:lnL w="12700" cap="flat" cmpd="sng" algn="ctr">
+                      <a:solidFill>
+                        <a:schemeClr val="tx1"/>
+                      </a:solidFill>
+                      <a:prstDash val="solid"/>
+                      <a:round/>
+                      <a:headEnd type="none" w="med" len="med"/>
+                      <a:tailEnd type="none" w="med" len="med"/>
+                    </a:lnL>
+                    <a:lnR w="12700" cap="flat" cmpd="sng" algn="ctr">
+                      <a:solidFill>
+                        <a:schemeClr val="tx1"/>
+                      </a:solidFill>
+                      <a:prstDash val="solid"/>
+                      <a:round/>
+                      <a:headEnd type="none" w="med" len="med"/>
+                      <a:tailEnd type="none" w="med" len="med"/>
+                    </a:lnR>
+                    <a:lnT w="12700" cap="flat" cmpd="sng" algn="ctr">
+                      <a:solidFill>
+                        <a:schemeClr val="tx1"/>
+                      </a:solidFill>
+                      <a:prstDash val="solid"/>
+                      <a:round/>
+                      <a:headEnd type="none" w="med" len="med"/>
+                      <a:tailEnd type="none" w="med" len="med"/>
+                    </a:lnT>
+                    <a:lnB w="12700" cap="flat" cmpd="sng" algn="ctr">
+                      <a:solidFill>
+                        <a:schemeClr val="tx1"/>
+                      </a:solidFill>
+                      <a:prstDash val="solid"/>
+                      <a:round/>
+                      <a:headEnd type="none" w="med" len="med"/>
+                      <a:tailEnd type="none" w="med" len="med"/>
+                    </a:lnB>
+                    <a:solidFill>
+                      <a:schemeClr val="bg1"/>
+                    </a:solidFill>
+                  </a:tcPr>
+                </a:tc>
+                <a:tc>
+                  <a:txBody>
+                    <a:bodyPr/>
+                    <a:lstStyle/>
+                    <a:p>
+                      <a:pPr algn="ctr"/>
+                      <a:r>
+                        <a:rPr lang="fr-FR" sz="1000" b="1" dirty="0">
+                          <a:solidFill>
+                            <a:schemeClr val="tx1"/>
+                          </a:solidFill>
+                          <a:latin typeface="Times New Roman" panose="02020603050405020304" pitchFamily="18" charset="0"/>
+                          <a:cs typeface="Times New Roman" panose="02020603050405020304" pitchFamily="18" charset="0"/>
+                        </a:rPr>
+                        <a:t>Nombre de lapins femelles</a:t>
+                      </a:r>
+                    </a:p>
+                  </a:txBody>
+                  <a:tcPr anchor="ctr">
+                    <a:lnL w="12700" cap="flat" cmpd="sng" algn="ctr">
+                      <a:solidFill>
+                        <a:schemeClr val="tx1"/>
+                      </a:solidFill>
+                      <a:prstDash val="solid"/>
+                      <a:round/>
+                      <a:headEnd type="none" w="med" len="med"/>
+                      <a:tailEnd type="none" w="med" len="med"/>
+                    </a:lnL>
+                    <a:lnR w="12700" cap="flat" cmpd="sng" algn="ctr">
+                      <a:solidFill>
+                        <a:schemeClr val="tx1"/>
+                      </a:solidFill>
+                      <a:prstDash val="solid"/>
+                      <a:round/>
+                      <a:headEnd type="none" w="med" len="med"/>
+                      <a:tailEnd type="none" w="med" len="med"/>
+                    </a:lnR>
+                    <a:lnT w="12700" cap="flat" cmpd="sng" algn="ctr">
+                      <a:solidFill>
+                        <a:schemeClr val="tx1"/>
+                      </a:solidFill>
+                      <a:prstDash val="solid"/>
+                      <a:round/>
+                      <a:headEnd type="none" w="med" len="med"/>
+                      <a:tailEnd type="none" w="med" len="med"/>
+                    </a:lnT>
+                    <a:lnB w="12700" cap="flat" cmpd="sng" algn="ctr">
+                      <a:solidFill>
+                        <a:schemeClr val="tx1"/>
+                      </a:solidFill>
+                      <a:prstDash val="solid"/>
+                      <a:round/>
+                      <a:headEnd type="none" w="med" len="med"/>
+                      <a:tailEnd type="none" w="med" len="med"/>
+                    </a:lnB>
+                    <a:solidFill>
+                      <a:schemeClr val="bg1"/>
+                    </a:solidFill>
+                  </a:tcPr>
+                </a:tc>
+                <a:extLst>
+                  <a:ext uri="{0D108BD9-81ED-4DB2-BD59-A6C34878D82A}">
+                    <a16:rowId xmlns:a16="http://schemas.microsoft.com/office/drawing/2014/main" val="155348655"/>
+                  </a:ext>
+                </a:extLst>
+              </a:tr>
+              <a:tr h="335844">
+                <a:tc>
+                  <a:txBody>
+                    <a:bodyPr/>
+                    <a:lstStyle/>
+                    <a:p>
+                      <a:pPr algn="ctr"/>
+                      <a:r>
+                        <a:rPr lang="fr-FR" sz="1000" dirty="0">
+                          <a:solidFill>
+                            <a:schemeClr val="tx1"/>
+                          </a:solidFill>
+                          <a:latin typeface="Times New Roman" panose="02020603050405020304" pitchFamily="18" charset="0"/>
+                          <a:cs typeface="Times New Roman" panose="02020603050405020304" pitchFamily="18" charset="0"/>
+                        </a:rPr>
+                        <a:t>1</a:t>
+                      </a:r>
+                    </a:p>
+                  </a:txBody>
+                  <a:tcPr anchor="ctr">
+                    <a:lnL w="12700" cap="flat" cmpd="sng" algn="ctr">
+                      <a:solidFill>
+                        <a:schemeClr val="tx1"/>
+                      </a:solidFill>
+                      <a:prstDash val="solid"/>
+                      <a:round/>
+                      <a:headEnd type="none" w="med" len="med"/>
+                      <a:tailEnd type="none" w="med" len="med"/>
+                    </a:lnL>
+                    <a:lnR w="12700" cap="flat" cmpd="sng" algn="ctr">
+                      <a:solidFill>
+                        <a:schemeClr val="tx1"/>
+                      </a:solidFill>
+                      <a:prstDash val="solid"/>
+                      <a:round/>
+                      <a:headEnd type="none" w="med" len="med"/>
+                      <a:tailEnd type="none" w="med" len="med"/>
+                    </a:lnR>
+                    <a:lnT w="12700" cap="flat" cmpd="sng" algn="ctr">
+                      <a:solidFill>
+                        <a:schemeClr val="tx1"/>
+                      </a:solidFill>
+                      <a:prstDash val="solid"/>
+                      <a:round/>
+                      <a:headEnd type="none" w="med" len="med"/>
+                      <a:tailEnd type="none" w="med" len="med"/>
+                    </a:lnT>
+                    <a:lnB w="12700" cap="flat" cmpd="sng" algn="ctr">
+                      <a:solidFill>
+                        <a:schemeClr val="tx1"/>
+                      </a:solidFill>
+                      <a:prstDash val="solid"/>
+                      <a:round/>
+                      <a:headEnd type="none" w="med" len="med"/>
+                      <a:tailEnd type="none" w="med" len="med"/>
+                    </a:lnB>
+                    <a:solidFill>
+                      <a:schemeClr val="bg1"/>
+                    </a:solidFill>
+                  </a:tcPr>
+                </a:tc>
+                <a:tc>
+                  <a:txBody>
+                    <a:bodyPr/>
+                    <a:lstStyle/>
+                    <a:p>
+                      <a:pPr algn="ctr"/>
+                      <a:r>
+                        <a:rPr lang="fr-FR" sz="1000" dirty="0">
+                          <a:solidFill>
+                            <a:schemeClr val="tx1"/>
+                          </a:solidFill>
+                          <a:latin typeface="Times New Roman" panose="02020603050405020304" pitchFamily="18" charset="0"/>
+                          <a:cs typeface="Times New Roman" panose="02020603050405020304" pitchFamily="18" charset="0"/>
+                        </a:rPr>
+                        <a:t>5</a:t>
+                      </a:r>
+                    </a:p>
+                  </a:txBody>
+                  <a:tcPr anchor="ctr">
+                    <a:lnL w="12700" cap="flat" cmpd="sng" algn="ctr">
+                      <a:solidFill>
+                        <a:schemeClr val="tx1"/>
+                      </a:solidFill>
+                      <a:prstDash val="solid"/>
+                      <a:round/>
+                      <a:headEnd type="none" w="med" len="med"/>
+                      <a:tailEnd type="none" w="med" len="med"/>
+                    </a:lnL>
+                    <a:lnR w="12700" cap="flat" cmpd="sng" algn="ctr">
+                      <a:solidFill>
+                        <a:schemeClr val="tx1"/>
+                      </a:solidFill>
+                      <a:prstDash val="solid"/>
+                      <a:round/>
+                      <a:headEnd type="none" w="med" len="med"/>
+                      <a:tailEnd type="none" w="med" len="med"/>
+                    </a:lnR>
+                    <a:lnT w="12700" cap="flat" cmpd="sng" algn="ctr">
+                      <a:solidFill>
+                        <a:schemeClr val="tx1"/>
+                      </a:solidFill>
+                      <a:prstDash val="solid"/>
+                      <a:round/>
+                      <a:headEnd type="none" w="med" len="med"/>
+                      <a:tailEnd type="none" w="med" len="med"/>
+                    </a:lnT>
+                    <a:lnB w="12700" cap="flat" cmpd="sng" algn="ctr">
+                      <a:solidFill>
+                        <a:schemeClr val="tx1"/>
+                      </a:solidFill>
+                      <a:prstDash val="solid"/>
+                      <a:round/>
+                      <a:headEnd type="none" w="med" len="med"/>
+                      <a:tailEnd type="none" w="med" len="med"/>
+                    </a:lnB>
+                    <a:solidFill>
+                      <a:schemeClr val="bg1"/>
+                    </a:solidFill>
+                  </a:tcPr>
+                </a:tc>
+                <a:tc>
+                  <a:txBody>
+                    <a:bodyPr/>
+                    <a:lstStyle/>
+                    <a:p>
+                      <a:pPr algn="ctr"/>
+                      <a:r>
+                        <a:rPr lang="fr-FR" sz="1000" dirty="0">
+                          <a:solidFill>
+                            <a:schemeClr val="tx1"/>
+                          </a:solidFill>
+                          <a:latin typeface="Times New Roman" panose="02020603050405020304" pitchFamily="18" charset="0"/>
+                          <a:cs typeface="Times New Roman" panose="02020603050405020304" pitchFamily="18" charset="0"/>
+                        </a:rPr>
+                        <a:t>3</a:t>
+                      </a:r>
+                    </a:p>
+                  </a:txBody>
+                  <a:tcPr anchor="ctr">
+                    <a:lnL w="12700" cap="flat" cmpd="sng" algn="ctr">
+                      <a:solidFill>
+                        <a:schemeClr val="tx1"/>
+                      </a:solidFill>
+                      <a:prstDash val="solid"/>
+                      <a:round/>
+                      <a:headEnd type="none" w="med" len="med"/>
+                      <a:tailEnd type="none" w="med" len="med"/>
+                    </a:lnL>
+                    <a:lnR w="12700" cap="flat" cmpd="sng" algn="ctr">
+                      <a:solidFill>
+                        <a:schemeClr val="tx1"/>
+                      </a:solidFill>
+                      <a:prstDash val="solid"/>
+                      <a:round/>
+                      <a:headEnd type="none" w="med" len="med"/>
+                      <a:tailEnd type="none" w="med" len="med"/>
+                    </a:lnR>
+                    <a:lnT w="12700" cap="flat" cmpd="sng" algn="ctr">
+                      <a:solidFill>
+                        <a:schemeClr val="tx1"/>
+                      </a:solidFill>
+                      <a:prstDash val="solid"/>
+                      <a:round/>
+                      <a:headEnd type="none" w="med" len="med"/>
+                      <a:tailEnd type="none" w="med" len="med"/>
+                    </a:lnT>
+                    <a:lnB w="12700" cap="flat" cmpd="sng" algn="ctr">
+                      <a:solidFill>
+                        <a:schemeClr val="tx1"/>
+                      </a:solidFill>
+                      <a:prstDash val="solid"/>
+                      <a:round/>
+                      <a:headEnd type="none" w="med" len="med"/>
+                      <a:tailEnd type="none" w="med" len="med"/>
+                    </a:lnB>
+                    <a:solidFill>
+                      <a:schemeClr val="bg1"/>
+                    </a:solidFill>
+                  </a:tcPr>
+                </a:tc>
+                <a:extLst>
+                  <a:ext uri="{0D108BD9-81ED-4DB2-BD59-A6C34878D82A}">
+                    <a16:rowId xmlns:a16="http://schemas.microsoft.com/office/drawing/2014/main" val="2106744144"/>
+                  </a:ext>
+                </a:extLst>
+              </a:tr>
+              <a:tr h="335844">
+                <a:tc>
+                  <a:txBody>
+                    <a:bodyPr/>
+                    <a:lstStyle/>
+                    <a:p>
+                      <a:pPr algn="ctr"/>
+                      <a:r>
+                        <a:rPr lang="fr-FR" sz="1000" dirty="0">
+                          <a:solidFill>
+                            <a:schemeClr val="tx1"/>
+                          </a:solidFill>
+                          <a:latin typeface="Times New Roman" panose="02020603050405020304" pitchFamily="18" charset="0"/>
+                          <a:cs typeface="Times New Roman" panose="02020603050405020304" pitchFamily="18" charset="0"/>
+                        </a:rPr>
+                        <a:t>2</a:t>
+                      </a:r>
+                    </a:p>
+                  </a:txBody>
+                  <a:tcPr anchor="ctr">
+                    <a:lnL w="12700" cap="flat" cmpd="sng" algn="ctr">
+                      <a:solidFill>
+                        <a:schemeClr val="tx1"/>
+                      </a:solidFill>
+                      <a:prstDash val="solid"/>
+                      <a:round/>
+                      <a:headEnd type="none" w="med" len="med"/>
+                      <a:tailEnd type="none" w="med" len="med"/>
+                    </a:lnL>
+                    <a:lnR w="12700" cap="flat" cmpd="sng" algn="ctr">
+                      <a:solidFill>
+                        <a:schemeClr val="tx1"/>
+                      </a:solidFill>
+                      <a:prstDash val="solid"/>
+                      <a:round/>
+                      <a:headEnd type="none" w="med" len="med"/>
+                      <a:tailEnd type="none" w="med" len="med"/>
+                    </a:lnR>
+                    <a:lnT w="12700" cap="flat" cmpd="sng" algn="ctr">
+                      <a:solidFill>
+                        <a:schemeClr val="tx1"/>
+                      </a:solidFill>
+                      <a:prstDash val="solid"/>
+                      <a:round/>
+                      <a:headEnd type="none" w="med" len="med"/>
+                      <a:tailEnd type="none" w="med" len="med"/>
+                    </a:lnT>
+                    <a:lnB w="12700" cap="flat" cmpd="sng" algn="ctr">
+                      <a:solidFill>
+                        <a:schemeClr val="tx1"/>
+                      </a:solidFill>
+                      <a:prstDash val="solid"/>
+                      <a:round/>
+                      <a:headEnd type="none" w="med" len="med"/>
+                      <a:tailEnd type="none" w="med" len="med"/>
+                    </a:lnB>
+                    <a:solidFill>
+                      <a:schemeClr val="bg1"/>
+                    </a:solidFill>
+                  </a:tcPr>
+                </a:tc>
+                <a:tc>
+                  <a:txBody>
+                    <a:bodyPr/>
+                    <a:lstStyle/>
+                    <a:p>
+                      <a:pPr algn="ctr"/>
+                      <a:r>
+                        <a:rPr lang="fr-FR" sz="1000" dirty="0">
+                          <a:solidFill>
+                            <a:schemeClr val="tx1"/>
+                          </a:solidFill>
+                          <a:latin typeface="Times New Roman" panose="02020603050405020304" pitchFamily="18" charset="0"/>
+                          <a:cs typeface="Times New Roman" panose="02020603050405020304" pitchFamily="18" charset="0"/>
+                        </a:rPr>
+                        <a:t>12</a:t>
+                      </a:r>
+                    </a:p>
+                  </a:txBody>
+                  <a:tcPr anchor="ctr">
+                    <a:lnL w="12700" cap="flat" cmpd="sng" algn="ctr">
+                      <a:solidFill>
+                        <a:schemeClr val="tx1"/>
+                      </a:solidFill>
+                      <a:prstDash val="solid"/>
+                      <a:round/>
+                      <a:headEnd type="none" w="med" len="med"/>
+                      <a:tailEnd type="none" w="med" len="med"/>
+                    </a:lnL>
+                    <a:lnR w="12700" cap="flat" cmpd="sng" algn="ctr">
+                      <a:solidFill>
+                        <a:schemeClr val="tx1"/>
+                      </a:solidFill>
+                      <a:prstDash val="solid"/>
+                      <a:round/>
+                      <a:headEnd type="none" w="med" len="med"/>
+                      <a:tailEnd type="none" w="med" len="med"/>
+                    </a:lnR>
+                    <a:lnT w="12700" cap="flat" cmpd="sng" algn="ctr">
+                      <a:solidFill>
+                        <a:schemeClr val="tx1"/>
+                      </a:solidFill>
+                      <a:prstDash val="solid"/>
+                      <a:round/>
+                      <a:headEnd type="none" w="med" len="med"/>
+                      <a:tailEnd type="none" w="med" len="med"/>
+                    </a:lnT>
+                    <a:lnB w="12700" cap="flat" cmpd="sng" algn="ctr">
+                      <a:solidFill>
+                        <a:schemeClr val="tx1"/>
+                      </a:solidFill>
+                      <a:prstDash val="solid"/>
+                      <a:round/>
+                      <a:headEnd type="none" w="med" len="med"/>
+                      <a:tailEnd type="none" w="med" len="med"/>
+                    </a:lnB>
+                    <a:solidFill>
+                      <a:schemeClr val="bg1"/>
+                    </a:solidFill>
+                  </a:tcPr>
+                </a:tc>
+                <a:tc>
+                  <a:txBody>
+                    <a:bodyPr/>
+                    <a:lstStyle/>
+                    <a:p>
+                      <a:pPr algn="ctr"/>
+                      <a:r>
+                        <a:rPr lang="fr-FR" sz="1000" dirty="0">
+                          <a:solidFill>
+                            <a:schemeClr val="tx1"/>
+                          </a:solidFill>
+                          <a:latin typeface="Times New Roman" panose="02020603050405020304" pitchFamily="18" charset="0"/>
+                          <a:cs typeface="Times New Roman" panose="02020603050405020304" pitchFamily="18" charset="0"/>
+                        </a:rPr>
+                        <a:t>29</a:t>
+                      </a:r>
+                    </a:p>
+                  </a:txBody>
+                  <a:tcPr anchor="ctr">
+                    <a:lnL w="12700" cap="flat" cmpd="sng" algn="ctr">
+                      <a:solidFill>
+                        <a:schemeClr val="tx1"/>
+                      </a:solidFill>
+                      <a:prstDash val="solid"/>
+                      <a:round/>
+                      <a:headEnd type="none" w="med" len="med"/>
+                      <a:tailEnd type="none" w="med" len="med"/>
+                    </a:lnL>
+                    <a:lnR w="12700" cap="flat" cmpd="sng" algn="ctr">
+                      <a:solidFill>
+                        <a:schemeClr val="tx1"/>
+                      </a:solidFill>
+                      <a:prstDash val="solid"/>
+                      <a:round/>
+                      <a:headEnd type="none" w="med" len="med"/>
+                      <a:tailEnd type="none" w="med" len="med"/>
+                    </a:lnR>
+                    <a:lnT w="12700" cap="flat" cmpd="sng" algn="ctr">
+                      <a:solidFill>
+                        <a:schemeClr val="tx1"/>
+                      </a:solidFill>
+                      <a:prstDash val="solid"/>
+                      <a:round/>
+                      <a:headEnd type="none" w="med" len="med"/>
+                      <a:tailEnd type="none" w="med" len="med"/>
+                    </a:lnT>
+                    <a:lnB w="12700" cap="flat" cmpd="sng" algn="ctr">
+                      <a:solidFill>
+                        <a:schemeClr val="tx1"/>
+                      </a:solidFill>
+                      <a:prstDash val="solid"/>
+                      <a:round/>
+                      <a:headEnd type="none" w="med" len="med"/>
+                      <a:tailEnd type="none" w="med" len="med"/>
+                    </a:lnB>
+                    <a:solidFill>
+                      <a:schemeClr val="bg1"/>
+                    </a:solidFill>
+                  </a:tcPr>
+                </a:tc>
+                <a:extLst>
+                  <a:ext uri="{0D108BD9-81ED-4DB2-BD59-A6C34878D82A}">
+                    <a16:rowId xmlns:a16="http://schemas.microsoft.com/office/drawing/2014/main" val="3073407421"/>
+                  </a:ext>
+                </a:extLst>
+              </a:tr>
+              <a:tr h="335844">
+                <a:tc>
+                  <a:txBody>
+                    <a:bodyPr/>
+                    <a:lstStyle/>
+                    <a:p>
+                      <a:pPr algn="ctr"/>
+                      <a:r>
+                        <a:rPr lang="fr-FR" sz="1000" dirty="0">
+                          <a:solidFill>
+                            <a:schemeClr val="tx1"/>
+                          </a:solidFill>
+                          <a:latin typeface="Times New Roman" panose="02020603050405020304" pitchFamily="18" charset="0"/>
+                          <a:cs typeface="Times New Roman" panose="02020603050405020304" pitchFamily="18" charset="0"/>
+                        </a:rPr>
+                        <a:t>3</a:t>
+                      </a:r>
+                    </a:p>
+                  </a:txBody>
+                  <a:tcPr anchor="ctr">
+                    <a:lnL w="12700" cap="flat" cmpd="sng" algn="ctr">
+                      <a:solidFill>
+                        <a:schemeClr val="tx1"/>
+                      </a:solidFill>
+                      <a:prstDash val="solid"/>
+                      <a:round/>
+                      <a:headEnd type="none" w="med" len="med"/>
+                      <a:tailEnd type="none" w="med" len="med"/>
+                    </a:lnL>
+                    <a:lnR w="12700" cap="flat" cmpd="sng" algn="ctr">
+                      <a:solidFill>
+                        <a:schemeClr val="tx1"/>
+                      </a:solidFill>
+                      <a:prstDash val="solid"/>
+                      <a:round/>
+                      <a:headEnd type="none" w="med" len="med"/>
+                      <a:tailEnd type="none" w="med" len="med"/>
+                    </a:lnR>
+                    <a:lnT w="12700" cap="flat" cmpd="sng" algn="ctr">
+                      <a:solidFill>
+                        <a:schemeClr val="tx1"/>
+                      </a:solidFill>
+                      <a:prstDash val="solid"/>
+                      <a:round/>
+                      <a:headEnd type="none" w="med" len="med"/>
+                      <a:tailEnd type="none" w="med" len="med"/>
+                    </a:lnT>
+                    <a:lnB w="12700" cap="flat" cmpd="sng" algn="ctr">
+                      <a:solidFill>
+                        <a:schemeClr val="tx1"/>
+                      </a:solidFill>
+                      <a:prstDash val="solid"/>
+                      <a:round/>
+                      <a:headEnd type="none" w="med" len="med"/>
+                      <a:tailEnd type="none" w="med" len="med"/>
+                    </a:lnB>
+                    <a:solidFill>
+                      <a:schemeClr val="bg1"/>
+                    </a:solidFill>
+                  </a:tcPr>
+                </a:tc>
+                <a:tc>
+                  <a:txBody>
+                    <a:bodyPr/>
+                    <a:lstStyle/>
+                    <a:p>
+                      <a:pPr algn="ctr"/>
+                      <a:r>
+                        <a:rPr lang="fr-FR" sz="1000" dirty="0">
+                          <a:solidFill>
+                            <a:schemeClr val="tx1"/>
+                          </a:solidFill>
+                          <a:latin typeface="Times New Roman" panose="02020603050405020304" pitchFamily="18" charset="0"/>
+                          <a:cs typeface="Times New Roman" panose="02020603050405020304" pitchFamily="18" charset="0"/>
+                        </a:rPr>
+                        <a:t>29</a:t>
+                      </a:r>
+                    </a:p>
+                  </a:txBody>
+                  <a:tcPr anchor="ctr">
+                    <a:lnL w="12700" cap="flat" cmpd="sng" algn="ctr">
+                      <a:solidFill>
+                        <a:schemeClr val="tx1"/>
+                      </a:solidFill>
+                      <a:prstDash val="solid"/>
+                      <a:round/>
+                      <a:headEnd type="none" w="med" len="med"/>
+                      <a:tailEnd type="none" w="med" len="med"/>
+                    </a:lnL>
+                    <a:lnR w="12700" cap="flat" cmpd="sng" algn="ctr">
+                      <a:solidFill>
+                        <a:schemeClr val="tx1"/>
+                      </a:solidFill>
+                      <a:prstDash val="solid"/>
+                      <a:round/>
+                      <a:headEnd type="none" w="med" len="med"/>
+                      <a:tailEnd type="none" w="med" len="med"/>
+                    </a:lnR>
+                    <a:lnT w="12700" cap="flat" cmpd="sng" algn="ctr">
+                      <a:solidFill>
+                        <a:schemeClr val="tx1"/>
+                      </a:solidFill>
+                      <a:prstDash val="solid"/>
+                      <a:round/>
+                      <a:headEnd type="none" w="med" len="med"/>
+                      <a:tailEnd type="none" w="med" len="med"/>
+                    </a:lnT>
+                    <a:lnB w="12700" cap="flat" cmpd="sng" algn="ctr">
+                      <a:solidFill>
+                        <a:schemeClr val="tx1"/>
+                      </a:solidFill>
+                      <a:prstDash val="solid"/>
+                      <a:round/>
+                      <a:headEnd type="none" w="med" len="med"/>
+                      <a:tailEnd type="none" w="med" len="med"/>
+                    </a:lnB>
+                    <a:solidFill>
+                      <a:schemeClr val="bg1"/>
+                    </a:solidFill>
+                  </a:tcPr>
+                </a:tc>
+                <a:tc>
+                  <a:txBody>
+                    <a:bodyPr/>
+                    <a:lstStyle/>
+                    <a:p>
+                      <a:pPr algn="ctr"/>
+                      <a:r>
+                        <a:rPr lang="fr-FR" sz="1000" dirty="0">
+                          <a:solidFill>
+                            <a:schemeClr val="tx1"/>
+                          </a:solidFill>
+                          <a:latin typeface="Times New Roman" panose="02020603050405020304" pitchFamily="18" charset="0"/>
+                          <a:cs typeface="Times New Roman" panose="02020603050405020304" pitchFamily="18" charset="0"/>
+                        </a:rPr>
+                        <a:t>15</a:t>
+                      </a:r>
+                    </a:p>
+                  </a:txBody>
+                  <a:tcPr anchor="ctr">
+                    <a:lnL w="12700" cap="flat" cmpd="sng" algn="ctr">
+                      <a:solidFill>
+                        <a:schemeClr val="tx1"/>
+                      </a:solidFill>
+                      <a:prstDash val="solid"/>
+                      <a:round/>
+                      <a:headEnd type="none" w="med" len="med"/>
+                      <a:tailEnd type="none" w="med" len="med"/>
+                    </a:lnL>
+                    <a:lnR w="12700" cap="flat" cmpd="sng" algn="ctr">
+                      <a:solidFill>
+                        <a:schemeClr val="tx1"/>
+                      </a:solidFill>
+                      <a:prstDash val="solid"/>
+                      <a:round/>
+                      <a:headEnd type="none" w="med" len="med"/>
+                      <a:tailEnd type="none" w="med" len="med"/>
+                    </a:lnR>
+                    <a:lnT w="12700" cap="flat" cmpd="sng" algn="ctr">
+                      <a:solidFill>
+                        <a:schemeClr val="tx1"/>
+                      </a:solidFill>
+                      <a:prstDash val="solid"/>
+                      <a:round/>
+                      <a:headEnd type="none" w="med" len="med"/>
+                      <a:tailEnd type="none" w="med" len="med"/>
+                    </a:lnT>
+                    <a:lnB w="12700" cap="flat" cmpd="sng" algn="ctr">
+                      <a:solidFill>
+                        <a:schemeClr val="tx1"/>
+                      </a:solidFill>
+                      <a:prstDash val="solid"/>
+                      <a:round/>
+                      <a:headEnd type="none" w="med" len="med"/>
+                      <a:tailEnd type="none" w="med" len="med"/>
+                    </a:lnB>
+                    <a:solidFill>
+                      <a:schemeClr val="bg1"/>
+                    </a:solidFill>
+                  </a:tcPr>
+                </a:tc>
+                <a:extLst>
+                  <a:ext uri="{0D108BD9-81ED-4DB2-BD59-A6C34878D82A}">
+                    <a16:rowId xmlns:a16="http://schemas.microsoft.com/office/drawing/2014/main" val="3771719360"/>
+                  </a:ext>
+                </a:extLst>
+              </a:tr>
+              <a:tr h="335844">
+                <a:tc>
+                  <a:txBody>
+                    <a:bodyPr/>
+                    <a:lstStyle/>
+                    <a:p>
+                      <a:pPr algn="ctr"/>
+                      <a:r>
+                        <a:rPr lang="fr-FR" sz="1000" dirty="0">
+                          <a:solidFill>
+                            <a:schemeClr val="tx1"/>
+                          </a:solidFill>
+                          <a:latin typeface="Times New Roman" panose="02020603050405020304" pitchFamily="18" charset="0"/>
+                          <a:cs typeface="Times New Roman" panose="02020603050405020304" pitchFamily="18" charset="0"/>
+                        </a:rPr>
+                        <a:t>…</a:t>
+                      </a:r>
+                    </a:p>
+                  </a:txBody>
+                  <a:tcPr anchor="ctr">
+                    <a:lnL w="12700" cap="flat" cmpd="sng" algn="ctr">
+                      <a:solidFill>
+                        <a:schemeClr val="tx1"/>
+                      </a:solidFill>
+                      <a:prstDash val="solid"/>
+                      <a:round/>
+                      <a:headEnd type="none" w="med" len="med"/>
+                      <a:tailEnd type="none" w="med" len="med"/>
+                    </a:lnL>
+                    <a:lnR w="12700" cap="flat" cmpd="sng" algn="ctr">
+                      <a:solidFill>
+                        <a:schemeClr val="tx1"/>
+                      </a:solidFill>
+                      <a:prstDash val="solid"/>
+                      <a:round/>
+                      <a:headEnd type="none" w="med" len="med"/>
+                      <a:tailEnd type="none" w="med" len="med"/>
+                    </a:lnR>
+                    <a:lnT w="12700" cap="flat" cmpd="sng" algn="ctr">
+                      <a:solidFill>
+                        <a:schemeClr val="tx1"/>
+                      </a:solidFill>
+                      <a:prstDash val="solid"/>
+                      <a:round/>
+                      <a:headEnd type="none" w="med" len="med"/>
+                      <a:tailEnd type="none" w="med" len="med"/>
+                    </a:lnT>
+                    <a:lnB w="12700" cap="flat" cmpd="sng" algn="ctr">
+                      <a:solidFill>
+                        <a:schemeClr val="tx1"/>
+                      </a:solidFill>
+                      <a:prstDash val="solid"/>
+                      <a:round/>
+                      <a:headEnd type="none" w="med" len="med"/>
+                      <a:tailEnd type="none" w="med" len="med"/>
+                    </a:lnB>
+                    <a:solidFill>
+                      <a:schemeClr val="bg1"/>
+                    </a:solidFill>
+                  </a:tcPr>
+                </a:tc>
+                <a:tc>
+                  <a:txBody>
+                    <a:bodyPr/>
+                    <a:lstStyle/>
+                    <a:p>
+                      <a:pPr algn="ctr"/>
+                      <a:r>
+                        <a:rPr lang="fr-FR" sz="1000" dirty="0">
+                          <a:solidFill>
+                            <a:schemeClr val="tx1"/>
+                          </a:solidFill>
+                          <a:latin typeface="Times New Roman" panose="02020603050405020304" pitchFamily="18" charset="0"/>
+                          <a:cs typeface="Times New Roman" panose="02020603050405020304" pitchFamily="18" charset="0"/>
+                        </a:rPr>
+                        <a:t>…</a:t>
+                      </a:r>
+                    </a:p>
+                  </a:txBody>
+                  <a:tcPr anchor="ctr">
+                    <a:lnL w="12700" cap="flat" cmpd="sng" algn="ctr">
+                      <a:solidFill>
+                        <a:schemeClr val="tx1"/>
+                      </a:solidFill>
+                      <a:prstDash val="solid"/>
+                      <a:round/>
+                      <a:headEnd type="none" w="med" len="med"/>
+                      <a:tailEnd type="none" w="med" len="med"/>
+                    </a:lnL>
+                    <a:lnR w="12700" cap="flat" cmpd="sng" algn="ctr">
+                      <a:solidFill>
+                        <a:schemeClr val="tx1"/>
+                      </a:solidFill>
+                      <a:prstDash val="solid"/>
+                      <a:round/>
+                      <a:headEnd type="none" w="med" len="med"/>
+                      <a:tailEnd type="none" w="med" len="med"/>
+                    </a:lnR>
+                    <a:lnT w="12700" cap="flat" cmpd="sng" algn="ctr">
+                      <a:solidFill>
+                        <a:schemeClr val="tx1"/>
+                      </a:solidFill>
+                      <a:prstDash val="solid"/>
+                      <a:round/>
+                      <a:headEnd type="none" w="med" len="med"/>
+                      <a:tailEnd type="none" w="med" len="med"/>
+                    </a:lnT>
+                    <a:lnB w="12700" cap="flat" cmpd="sng" algn="ctr">
+                      <a:solidFill>
+                        <a:schemeClr val="tx1"/>
+                      </a:solidFill>
+                      <a:prstDash val="solid"/>
+                      <a:round/>
+                      <a:headEnd type="none" w="med" len="med"/>
+                      <a:tailEnd type="none" w="med" len="med"/>
+                    </a:lnB>
+                    <a:solidFill>
+                      <a:schemeClr val="bg1"/>
+                    </a:solidFill>
+                  </a:tcPr>
+                </a:tc>
+                <a:tc>
+                  <a:txBody>
+                    <a:bodyPr/>
+                    <a:lstStyle/>
+                    <a:p>
+                      <a:pPr algn="ctr"/>
+                      <a:r>
+                        <a:rPr lang="fr-FR" sz="1000" dirty="0">
+                          <a:solidFill>
+                            <a:schemeClr val="tx1"/>
+                          </a:solidFill>
+                          <a:latin typeface="Times New Roman" panose="02020603050405020304" pitchFamily="18" charset="0"/>
+                          <a:cs typeface="Times New Roman" panose="02020603050405020304" pitchFamily="18" charset="0"/>
+                        </a:rPr>
+                        <a:t>…</a:t>
+                      </a:r>
+                    </a:p>
+                  </a:txBody>
+                  <a:tcPr anchor="ctr">
+                    <a:lnL w="12700" cap="flat" cmpd="sng" algn="ctr">
+                      <a:solidFill>
+                        <a:schemeClr val="tx1"/>
+                      </a:solidFill>
+                      <a:prstDash val="solid"/>
+                      <a:round/>
+                      <a:headEnd type="none" w="med" len="med"/>
+                      <a:tailEnd type="none" w="med" len="med"/>
+                    </a:lnL>
+                    <a:lnR w="12700" cap="flat" cmpd="sng" algn="ctr">
+                      <a:solidFill>
+                        <a:schemeClr val="tx1"/>
+                      </a:solidFill>
+                      <a:prstDash val="solid"/>
+                      <a:round/>
+                      <a:headEnd type="none" w="med" len="med"/>
+                      <a:tailEnd type="none" w="med" len="med"/>
+                    </a:lnR>
+                    <a:lnT w="12700" cap="flat" cmpd="sng" algn="ctr">
+                      <a:solidFill>
+                        <a:schemeClr val="tx1"/>
+                      </a:solidFill>
+                      <a:prstDash val="solid"/>
+                      <a:round/>
+                      <a:headEnd type="none" w="med" len="med"/>
+                      <a:tailEnd type="none" w="med" len="med"/>
+                    </a:lnT>
+                    <a:lnB w="12700" cap="flat" cmpd="sng" algn="ctr">
+                      <a:solidFill>
+                        <a:schemeClr val="tx1"/>
+                      </a:solidFill>
+                      <a:prstDash val="solid"/>
+                      <a:round/>
+                      <a:headEnd type="none" w="med" len="med"/>
+                      <a:tailEnd type="none" w="med" len="med"/>
+                    </a:lnB>
+                    <a:solidFill>
+                      <a:schemeClr val="bg1"/>
+                    </a:solidFill>
+                  </a:tcPr>
+                </a:tc>
+                <a:extLst>
+                  <a:ext uri="{0D108BD9-81ED-4DB2-BD59-A6C34878D82A}">
+                    <a16:rowId xmlns:a16="http://schemas.microsoft.com/office/drawing/2014/main" val="2258521295"/>
+                  </a:ext>
+                </a:extLst>
+              </a:tr>
+              <a:tr h="335844">
+                <a:tc>
+                  <a:txBody>
+                    <a:bodyPr/>
+                    <a:lstStyle/>
+                    <a:p>
+                      <a:pPr algn="ctr"/>
+                      <a:r>
+                        <a:rPr lang="fr-FR" sz="1000" dirty="0">
+                          <a:solidFill>
+                            <a:schemeClr val="tx1"/>
+                          </a:solidFill>
+                          <a:latin typeface="Times New Roman" panose="02020603050405020304" pitchFamily="18" charset="0"/>
+                          <a:cs typeface="Times New Roman" panose="02020603050405020304" pitchFamily="18" charset="0"/>
+                        </a:rPr>
+                        <a:t>18</a:t>
+                      </a:r>
+                    </a:p>
+                  </a:txBody>
+                  <a:tcPr anchor="ctr">
+                    <a:lnL w="12700" cap="flat" cmpd="sng" algn="ctr">
+                      <a:solidFill>
+                        <a:schemeClr val="tx1"/>
+                      </a:solidFill>
+                      <a:prstDash val="solid"/>
+                      <a:round/>
+                      <a:headEnd type="none" w="med" len="med"/>
+                      <a:tailEnd type="none" w="med" len="med"/>
+                    </a:lnL>
+                    <a:lnR w="12700" cap="flat" cmpd="sng" algn="ctr">
+                      <a:solidFill>
+                        <a:schemeClr val="tx1"/>
+                      </a:solidFill>
+                      <a:prstDash val="solid"/>
+                      <a:round/>
+                      <a:headEnd type="none" w="med" len="med"/>
+                      <a:tailEnd type="none" w="med" len="med"/>
+                    </a:lnR>
+                    <a:lnT w="12700" cap="flat" cmpd="sng" algn="ctr">
+                      <a:solidFill>
+                        <a:schemeClr val="tx1"/>
+                      </a:solidFill>
+                      <a:prstDash val="solid"/>
+                      <a:round/>
+                      <a:headEnd type="none" w="med" len="med"/>
+                      <a:tailEnd type="none" w="med" len="med"/>
+                    </a:lnT>
+                    <a:lnB w="12700" cap="flat" cmpd="sng" algn="ctr">
+                      <a:solidFill>
+                        <a:schemeClr val="tx1"/>
+                      </a:solidFill>
+                      <a:prstDash val="solid"/>
+                      <a:round/>
+                      <a:headEnd type="none" w="med" len="med"/>
+                      <a:tailEnd type="none" w="med" len="med"/>
+                    </a:lnB>
+                    <a:solidFill>
+                      <a:schemeClr val="bg1"/>
+                    </a:solidFill>
+                  </a:tcPr>
+                </a:tc>
+                <a:tc>
+                  <a:txBody>
+                    <a:bodyPr/>
+                    <a:lstStyle/>
+                    <a:p>
+                      <a:pPr algn="ctr"/>
+                      <a:r>
+                        <a:rPr lang="fr-FR" sz="1000" dirty="0">
+                          <a:solidFill>
+                            <a:schemeClr val="tx1"/>
+                          </a:solidFill>
+                          <a:latin typeface="Times New Roman" panose="02020603050405020304" pitchFamily="18" charset="0"/>
+                          <a:cs typeface="Times New Roman" panose="02020603050405020304" pitchFamily="18" charset="0"/>
+                        </a:rPr>
+                        <a:t>12 954 285</a:t>
+                      </a:r>
+                    </a:p>
+                  </a:txBody>
+                  <a:tcPr anchor="ctr">
+                    <a:lnL w="12700" cap="flat" cmpd="sng" algn="ctr">
+                      <a:solidFill>
+                        <a:schemeClr val="tx1"/>
+                      </a:solidFill>
+                      <a:prstDash val="solid"/>
+                      <a:round/>
+                      <a:headEnd type="none" w="med" len="med"/>
+                      <a:tailEnd type="none" w="med" len="med"/>
+                    </a:lnL>
+                    <a:lnR w="12700" cap="flat" cmpd="sng" algn="ctr">
+                      <a:solidFill>
+                        <a:schemeClr val="tx1"/>
+                      </a:solidFill>
+                      <a:prstDash val="solid"/>
+                      <a:round/>
+                      <a:headEnd type="none" w="med" len="med"/>
+                      <a:tailEnd type="none" w="med" len="med"/>
+                    </a:lnR>
+                    <a:lnT w="12700" cap="flat" cmpd="sng" algn="ctr">
+                      <a:solidFill>
+                        <a:schemeClr val="tx1"/>
+                      </a:solidFill>
+                      <a:prstDash val="solid"/>
+                      <a:round/>
+                      <a:headEnd type="none" w="med" len="med"/>
+                      <a:tailEnd type="none" w="med" len="med"/>
+                    </a:lnT>
+                    <a:lnB w="12700" cap="flat" cmpd="sng" algn="ctr">
+                      <a:solidFill>
+                        <a:schemeClr val="tx1"/>
+                      </a:solidFill>
+                      <a:prstDash val="solid"/>
+                      <a:round/>
+                      <a:headEnd type="none" w="med" len="med"/>
+                      <a:tailEnd type="none" w="med" len="med"/>
+                    </a:lnB>
+                    <a:solidFill>
+                      <a:schemeClr val="bg1"/>
+                    </a:solidFill>
+                  </a:tcPr>
+                </a:tc>
+                <a:tc>
+                  <a:txBody>
+                    <a:bodyPr/>
+                    <a:lstStyle/>
+                    <a:p>
+                      <a:pPr algn="ctr"/>
+                      <a:r>
+                        <a:rPr lang="fr-FR" sz="1000" dirty="0">
+                          <a:solidFill>
+                            <a:schemeClr val="tx1"/>
+                          </a:solidFill>
+                          <a:latin typeface="Times New Roman" panose="02020603050405020304" pitchFamily="18" charset="0"/>
+                          <a:cs typeface="Times New Roman" panose="02020603050405020304" pitchFamily="18" charset="0"/>
+                        </a:rPr>
+                        <a:t>12 955 187</a:t>
+                      </a:r>
+                    </a:p>
+                  </a:txBody>
+                  <a:tcPr anchor="ctr">
+                    <a:lnL w="12700" cap="flat" cmpd="sng" algn="ctr">
+                      <a:solidFill>
+                        <a:schemeClr val="tx1"/>
+                      </a:solidFill>
+                      <a:prstDash val="solid"/>
+                      <a:round/>
+                      <a:headEnd type="none" w="med" len="med"/>
+                      <a:tailEnd type="none" w="med" len="med"/>
+                    </a:lnL>
+                    <a:lnR w="12700" cap="flat" cmpd="sng" algn="ctr">
+                      <a:solidFill>
+                        <a:schemeClr val="tx1"/>
+                      </a:solidFill>
+                      <a:prstDash val="solid"/>
+                      <a:round/>
+                      <a:headEnd type="none" w="med" len="med"/>
+                      <a:tailEnd type="none" w="med" len="med"/>
+                    </a:lnR>
+                    <a:lnT w="12700" cap="flat" cmpd="sng" algn="ctr">
+                      <a:solidFill>
+                        <a:schemeClr val="tx1"/>
+                      </a:solidFill>
+                      <a:prstDash val="solid"/>
+                      <a:round/>
+                      <a:headEnd type="none" w="med" len="med"/>
+                      <a:tailEnd type="none" w="med" len="med"/>
+                    </a:lnT>
+                    <a:lnB w="12700" cap="flat" cmpd="sng" algn="ctr">
+                      <a:solidFill>
+                        <a:schemeClr val="tx1"/>
+                      </a:solidFill>
+                      <a:prstDash val="solid"/>
+                      <a:round/>
+                      <a:headEnd type="none" w="med" len="med"/>
+                      <a:tailEnd type="none" w="med" len="med"/>
+                    </a:lnB>
+                    <a:solidFill>
+                      <a:schemeClr val="bg1"/>
+                    </a:solidFill>
+                  </a:tcPr>
+                </a:tc>
+                <a:extLst>
+                  <a:ext uri="{0D108BD9-81ED-4DB2-BD59-A6C34878D82A}">
+                    <a16:rowId xmlns:a16="http://schemas.microsoft.com/office/drawing/2014/main" val="3841786265"/>
+                  </a:ext>
+                </a:extLst>
+              </a:tr>
+              <a:tr h="335844">
+                <a:tc>
+                  <a:txBody>
+                    <a:bodyPr/>
+                    <a:lstStyle/>
+                    <a:p>
+                      <a:pPr algn="ctr"/>
+                      <a:r>
+                        <a:rPr lang="fr-FR" sz="1000" dirty="0">
+                          <a:solidFill>
+                            <a:schemeClr val="tx1"/>
+                          </a:solidFill>
+                          <a:latin typeface="Times New Roman" panose="02020603050405020304" pitchFamily="18" charset="0"/>
+                          <a:cs typeface="Times New Roman" panose="02020603050405020304" pitchFamily="18" charset="0"/>
+                        </a:rPr>
+                        <a:t>19</a:t>
+                      </a:r>
+                    </a:p>
+                  </a:txBody>
+                  <a:tcPr anchor="ctr">
+                    <a:lnL w="12700" cap="flat" cmpd="sng" algn="ctr">
+                      <a:solidFill>
+                        <a:schemeClr val="tx1"/>
+                      </a:solidFill>
+                      <a:prstDash val="solid"/>
+                      <a:round/>
+                      <a:headEnd type="none" w="med" len="med"/>
+                      <a:tailEnd type="none" w="med" len="med"/>
+                    </a:lnL>
+                    <a:lnR w="12700" cap="flat" cmpd="sng" algn="ctr">
+                      <a:solidFill>
+                        <a:schemeClr val="tx1"/>
+                      </a:solidFill>
+                      <a:prstDash val="solid"/>
+                      <a:round/>
+                      <a:headEnd type="none" w="med" len="med"/>
+                      <a:tailEnd type="none" w="med" len="med"/>
+                    </a:lnR>
+                    <a:lnT w="12700" cap="flat" cmpd="sng" algn="ctr">
+                      <a:solidFill>
+                        <a:schemeClr val="tx1"/>
+                      </a:solidFill>
+                      <a:prstDash val="solid"/>
+                      <a:round/>
+                      <a:headEnd type="none" w="med" len="med"/>
+                      <a:tailEnd type="none" w="med" len="med"/>
+                    </a:lnT>
+                    <a:lnB w="12700" cap="flat" cmpd="sng" algn="ctr">
+                      <a:solidFill>
+                        <a:schemeClr val="tx1"/>
+                      </a:solidFill>
+                      <a:prstDash val="solid"/>
+                      <a:round/>
+                      <a:headEnd type="none" w="med" len="med"/>
+                      <a:tailEnd type="none" w="med" len="med"/>
+                    </a:lnB>
+                    <a:solidFill>
+                      <a:schemeClr val="bg1"/>
+                    </a:solidFill>
+                  </a:tcPr>
+                </a:tc>
+                <a:tc>
+                  <a:txBody>
+                    <a:bodyPr/>
+                    <a:lstStyle/>
+                    <a:p>
+                      <a:pPr algn="ctr"/>
+                      <a:r>
+                        <a:rPr lang="fr-FR" sz="1000" dirty="0">
+                          <a:solidFill>
+                            <a:schemeClr val="tx1"/>
+                          </a:solidFill>
+                          <a:latin typeface="Times New Roman" panose="02020603050405020304" pitchFamily="18" charset="0"/>
+                          <a:cs typeface="Times New Roman" panose="02020603050405020304" pitchFamily="18" charset="0"/>
+                        </a:rPr>
+                        <a:t>31 241 500</a:t>
+                      </a:r>
+                    </a:p>
+                  </a:txBody>
+                  <a:tcPr anchor="ctr">
+                    <a:lnL w="12700" cap="flat" cmpd="sng" algn="ctr">
+                      <a:solidFill>
+                        <a:schemeClr val="tx1"/>
+                      </a:solidFill>
+                      <a:prstDash val="solid"/>
+                      <a:round/>
+                      <a:headEnd type="none" w="med" len="med"/>
+                      <a:tailEnd type="none" w="med" len="med"/>
+                    </a:lnL>
+                    <a:lnR w="12700" cap="flat" cmpd="sng" algn="ctr">
+                      <a:solidFill>
+                        <a:schemeClr val="tx1"/>
+                      </a:solidFill>
+                      <a:prstDash val="solid"/>
+                      <a:round/>
+                      <a:headEnd type="none" w="med" len="med"/>
+                      <a:tailEnd type="none" w="med" len="med"/>
+                    </a:lnR>
+                    <a:lnT w="12700" cap="flat" cmpd="sng" algn="ctr">
+                      <a:solidFill>
+                        <a:schemeClr val="tx1"/>
+                      </a:solidFill>
+                      <a:prstDash val="solid"/>
+                      <a:round/>
+                      <a:headEnd type="none" w="med" len="med"/>
+                      <a:tailEnd type="none" w="med" len="med"/>
+                    </a:lnT>
+                    <a:lnB w="12700" cap="flat" cmpd="sng" algn="ctr">
+                      <a:solidFill>
+                        <a:schemeClr val="tx1"/>
+                      </a:solidFill>
+                      <a:prstDash val="solid"/>
+                      <a:round/>
+                      <a:headEnd type="none" w="med" len="med"/>
+                      <a:tailEnd type="none" w="med" len="med"/>
+                    </a:lnB>
+                    <a:solidFill>
+                      <a:schemeClr val="bg1"/>
+                    </a:solidFill>
+                  </a:tcPr>
+                </a:tc>
+                <a:tc>
+                  <a:txBody>
+                    <a:bodyPr/>
+                    <a:lstStyle/>
+                    <a:p>
+                      <a:pPr algn="ctr"/>
+                      <a:r>
+                        <a:rPr lang="fr-FR" sz="1000" dirty="0">
+                          <a:solidFill>
+                            <a:schemeClr val="tx1"/>
+                          </a:solidFill>
+                          <a:latin typeface="Times New Roman" panose="02020603050405020304" pitchFamily="18" charset="0"/>
+                          <a:cs typeface="Times New Roman" panose="02020603050405020304" pitchFamily="18" charset="0"/>
+                        </a:rPr>
+                        <a:t>31 255 577</a:t>
+                      </a:r>
+                    </a:p>
+                  </a:txBody>
+                  <a:tcPr anchor="ctr">
+                    <a:lnL w="12700" cap="flat" cmpd="sng" algn="ctr">
+                      <a:solidFill>
+                        <a:schemeClr val="tx1"/>
+                      </a:solidFill>
+                      <a:prstDash val="solid"/>
+                      <a:round/>
+                      <a:headEnd type="none" w="med" len="med"/>
+                      <a:tailEnd type="none" w="med" len="med"/>
+                    </a:lnL>
+                    <a:lnR w="12700" cap="flat" cmpd="sng" algn="ctr">
+                      <a:solidFill>
+                        <a:schemeClr val="tx1"/>
+                      </a:solidFill>
+                      <a:prstDash val="solid"/>
+                      <a:round/>
+                      <a:headEnd type="none" w="med" len="med"/>
+                      <a:tailEnd type="none" w="med" len="med"/>
+                    </a:lnR>
+                    <a:lnT w="12700" cap="flat" cmpd="sng" algn="ctr">
+                      <a:solidFill>
+                        <a:schemeClr val="tx1"/>
+                      </a:solidFill>
+                      <a:prstDash val="solid"/>
+                      <a:round/>
+                      <a:headEnd type="none" w="med" len="med"/>
+                      <a:tailEnd type="none" w="med" len="med"/>
+                    </a:lnT>
+                    <a:lnB w="12700" cap="flat" cmpd="sng" algn="ctr">
+                      <a:solidFill>
+                        <a:schemeClr val="tx1"/>
+                      </a:solidFill>
+                      <a:prstDash val="solid"/>
+                      <a:round/>
+                      <a:headEnd type="none" w="med" len="med"/>
+                      <a:tailEnd type="none" w="med" len="med"/>
+                    </a:lnB>
+                    <a:solidFill>
+                      <a:schemeClr val="bg1"/>
+                    </a:solidFill>
+                  </a:tcPr>
+                </a:tc>
+                <a:extLst>
+                  <a:ext uri="{0D108BD9-81ED-4DB2-BD59-A6C34878D82A}">
+                    <a16:rowId xmlns:a16="http://schemas.microsoft.com/office/drawing/2014/main" val="1268770832"/>
+                  </a:ext>
+                </a:extLst>
+              </a:tr>
+              <a:tr h="335844">
+                <a:tc>
+                  <a:txBody>
+                    <a:bodyPr/>
+                    <a:lstStyle/>
+                    <a:p>
+                      <a:pPr algn="ctr"/>
+                      <a:r>
+                        <a:rPr lang="fr-FR" sz="1000" dirty="0">
+                          <a:solidFill>
+                            <a:schemeClr val="tx1"/>
+                          </a:solidFill>
+                          <a:latin typeface="Times New Roman" panose="02020603050405020304" pitchFamily="18" charset="0"/>
+                          <a:cs typeface="Times New Roman" panose="02020603050405020304" pitchFamily="18" charset="0"/>
+                        </a:rPr>
+                        <a:t>20</a:t>
+                      </a:r>
+                    </a:p>
+                  </a:txBody>
+                  <a:tcPr anchor="ctr">
+                    <a:lnL w="12700" cap="flat" cmpd="sng" algn="ctr">
+                      <a:solidFill>
+                        <a:schemeClr val="tx1"/>
+                      </a:solidFill>
+                      <a:prstDash val="solid"/>
+                      <a:round/>
+                      <a:headEnd type="none" w="med" len="med"/>
+                      <a:tailEnd type="none" w="med" len="med"/>
+                    </a:lnL>
+                    <a:lnR w="12700" cap="flat" cmpd="sng" algn="ctr">
+                      <a:solidFill>
+                        <a:schemeClr val="tx1"/>
+                      </a:solidFill>
+                      <a:prstDash val="solid"/>
+                      <a:round/>
+                      <a:headEnd type="none" w="med" len="med"/>
+                      <a:tailEnd type="none" w="med" len="med"/>
+                    </a:lnR>
+                    <a:lnT w="12700" cap="flat" cmpd="sng" algn="ctr">
+                      <a:solidFill>
+                        <a:schemeClr val="tx1"/>
+                      </a:solidFill>
+                      <a:prstDash val="solid"/>
+                      <a:round/>
+                      <a:headEnd type="none" w="med" len="med"/>
+                      <a:tailEnd type="none" w="med" len="med"/>
+                    </a:lnT>
+                    <a:lnB w="12700" cap="flat" cmpd="sng" algn="ctr">
+                      <a:solidFill>
+                        <a:schemeClr val="tx1"/>
+                      </a:solidFill>
+                      <a:prstDash val="solid"/>
+                      <a:round/>
+                      <a:headEnd type="none" w="med" len="med"/>
+                      <a:tailEnd type="none" w="med" len="med"/>
+                    </a:lnB>
+                    <a:solidFill>
+                      <a:schemeClr val="bg1"/>
+                    </a:solidFill>
+                  </a:tcPr>
+                </a:tc>
+                <a:tc>
+                  <a:txBody>
+                    <a:bodyPr/>
+                    <a:lstStyle/>
+                    <a:p>
+                      <a:pPr algn="ctr"/>
+                      <a:r>
+                        <a:rPr lang="fr-FR" sz="1000" dirty="0">
+                          <a:solidFill>
+                            <a:schemeClr val="tx1"/>
+                          </a:solidFill>
+                          <a:latin typeface="Times New Roman" panose="02020603050405020304" pitchFamily="18" charset="0"/>
+                          <a:cs typeface="Times New Roman" panose="02020603050405020304" pitchFamily="18" charset="0"/>
+                        </a:rPr>
+                        <a:t>73 203 267</a:t>
+                      </a:r>
+                    </a:p>
+                  </a:txBody>
+                  <a:tcPr anchor="ctr">
+                    <a:lnL w="12700" cap="flat" cmpd="sng" algn="ctr">
+                      <a:solidFill>
+                        <a:schemeClr val="tx1"/>
+                      </a:solidFill>
+                      <a:prstDash val="solid"/>
+                      <a:round/>
+                      <a:headEnd type="none" w="med" len="med"/>
+                      <a:tailEnd type="none" w="med" len="med"/>
+                    </a:lnL>
+                    <a:lnR w="12700" cap="flat" cmpd="sng" algn="ctr">
+                      <a:solidFill>
+                        <a:schemeClr val="tx1"/>
+                      </a:solidFill>
+                      <a:prstDash val="solid"/>
+                      <a:round/>
+                      <a:headEnd type="none" w="med" len="med"/>
+                      <a:tailEnd type="none" w="med" len="med"/>
+                    </a:lnR>
+                    <a:lnT w="12700" cap="flat" cmpd="sng" algn="ctr">
+                      <a:solidFill>
+                        <a:schemeClr val="tx1"/>
+                      </a:solidFill>
+                      <a:prstDash val="solid"/>
+                      <a:round/>
+                      <a:headEnd type="none" w="med" len="med"/>
+                      <a:tailEnd type="none" w="med" len="med"/>
+                    </a:lnT>
+                    <a:lnB w="12700" cap="flat" cmpd="sng" algn="ctr">
+                      <a:solidFill>
+                        <a:schemeClr val="tx1"/>
+                      </a:solidFill>
+                      <a:prstDash val="solid"/>
+                      <a:round/>
+                      <a:headEnd type="none" w="med" len="med"/>
+                      <a:tailEnd type="none" w="med" len="med"/>
+                    </a:lnB>
+                    <a:solidFill>
+                      <a:schemeClr val="bg1"/>
+                    </a:solidFill>
+                  </a:tcPr>
+                </a:tc>
+                <a:tc>
+                  <a:txBody>
+                    <a:bodyPr/>
+                    <a:lstStyle/>
+                    <a:p>
+                      <a:pPr algn="ctr"/>
+                      <a:r>
+                        <a:rPr lang="fr-FR" sz="1000" dirty="0">
+                          <a:solidFill>
+                            <a:schemeClr val="tx1"/>
+                          </a:solidFill>
+                          <a:latin typeface="Times New Roman" panose="02020603050405020304" pitchFamily="18" charset="0"/>
+                          <a:cs typeface="Times New Roman" panose="02020603050405020304" pitchFamily="18" charset="0"/>
+                        </a:rPr>
+                        <a:t>73 193 137</a:t>
+                      </a:r>
+                    </a:p>
+                  </a:txBody>
+                  <a:tcPr anchor="ctr">
+                    <a:lnL w="12700" cap="flat" cmpd="sng" algn="ctr">
+                      <a:solidFill>
+                        <a:schemeClr val="tx1"/>
+                      </a:solidFill>
+                      <a:prstDash val="solid"/>
+                      <a:round/>
+                      <a:headEnd type="none" w="med" len="med"/>
+                      <a:tailEnd type="none" w="med" len="med"/>
+                    </a:lnL>
+                    <a:lnR w="12700" cap="flat" cmpd="sng" algn="ctr">
+                      <a:solidFill>
+                        <a:schemeClr val="tx1"/>
+                      </a:solidFill>
+                      <a:prstDash val="solid"/>
+                      <a:round/>
+                      <a:headEnd type="none" w="med" len="med"/>
+                      <a:tailEnd type="none" w="med" len="med"/>
+                    </a:lnR>
+                    <a:lnT w="12700" cap="flat" cmpd="sng" algn="ctr">
+                      <a:solidFill>
+                        <a:schemeClr val="tx1"/>
+                      </a:solidFill>
+                      <a:prstDash val="solid"/>
+                      <a:round/>
+                      <a:headEnd type="none" w="med" len="med"/>
+                      <a:tailEnd type="none" w="med" len="med"/>
+                    </a:lnT>
+                    <a:lnB w="12700" cap="flat" cmpd="sng" algn="ctr">
+                      <a:solidFill>
+                        <a:schemeClr val="tx1"/>
+                      </a:solidFill>
+                      <a:prstDash val="solid"/>
+                      <a:round/>
+                      <a:headEnd type="none" w="med" len="med"/>
+                      <a:tailEnd type="none" w="med" len="med"/>
+                    </a:lnB>
+                    <a:solidFill>
+                      <a:schemeClr val="bg1"/>
+                    </a:solidFill>
+                  </a:tcPr>
+                </a:tc>
+                <a:extLst>
+                  <a:ext uri="{0D108BD9-81ED-4DB2-BD59-A6C34878D82A}">
+                    <a16:rowId xmlns:a16="http://schemas.microsoft.com/office/drawing/2014/main" val="1317599668"/>
                   </a:ext>
                 </a:extLst>
               </a:tr>
